--- a/Capstone_design_team6_Week5.pptx
+++ b/Capstone_design_team6_Week5.pptx
@@ -214,7 +214,7 @@
           <a:p>
             <a:fld id="{8C6E51E7-5436-425B-B251-3FA1F61854D1}" type="datetimeFigureOut">
               <a:rPr lang="ko-KR" altLang="en-US" smtClean="0"/>
-              <a:t>2019-03-31</a:t>
+              <a:t>2019-04-01</a:t>
             </a:fld>
             <a:endParaRPr lang="ko-KR" altLang="en-US"/>
           </a:p>
@@ -694,23 +694,23 @@
           <a:lstStyle/>
           <a:p>
             <a:r>
-              <a:rPr lang="en-US" altLang="ko-KR" dirty="0" smtClean="0"/>
+              <a:rPr lang="en-US" altLang="ko-KR" dirty="0"/>
               <a:t>https://darkpgmr.tistory.com/89(</a:t>
             </a:r>
             <a:r>
-              <a:rPr lang="ko-KR" altLang="en-US" dirty="0" smtClean="0"/>
+              <a:rPr lang="ko-KR" altLang="en-US" dirty="0"/>
               <a:t>공개 </a:t>
             </a:r>
             <a:r>
-              <a:rPr lang="en-US" altLang="ko-KR" dirty="0" smtClean="0"/>
+              <a:rPr lang="en-US" altLang="ko-KR" dirty="0"/>
               <a:t>SW </a:t>
             </a:r>
             <a:r>
-              <a:rPr lang="ko-KR" altLang="en-US" dirty="0" smtClean="0"/>
+              <a:rPr lang="ko-KR" altLang="en-US" dirty="0"/>
               <a:t>라이센스 </a:t>
             </a:r>
             <a:r>
-              <a:rPr lang="en-US" altLang="ko-KR" dirty="0" smtClean="0"/>
+              <a:rPr lang="en-US" altLang="ko-KR" dirty="0"/>
               <a:t>GPL, LGPL, BSD)</a:t>
             </a:r>
           </a:p>
@@ -1322,7 +1322,7 @@
           <a:p>
             <a:fld id="{8FFD4D7F-A2C0-416B-ABCD-722CD65DF1B3}" type="datetimeFigureOut">
               <a:rPr lang="ko-KR" altLang="en-US" smtClean="0"/>
-              <a:t>2019-03-31</a:t>
+              <a:t>2019-04-01</a:t>
             </a:fld>
             <a:endParaRPr lang="ko-KR" altLang="en-US"/>
           </a:p>
@@ -1520,7 +1520,7 @@
           <a:p>
             <a:fld id="{8FFD4D7F-A2C0-416B-ABCD-722CD65DF1B3}" type="datetimeFigureOut">
               <a:rPr lang="ko-KR" altLang="en-US" smtClean="0"/>
-              <a:t>2019-03-31</a:t>
+              <a:t>2019-04-01</a:t>
             </a:fld>
             <a:endParaRPr lang="ko-KR" altLang="en-US"/>
           </a:p>
@@ -1728,7 +1728,7 @@
           <a:p>
             <a:fld id="{8FFD4D7F-A2C0-416B-ABCD-722CD65DF1B3}" type="datetimeFigureOut">
               <a:rPr lang="ko-KR" altLang="en-US" smtClean="0"/>
-              <a:t>2019-03-31</a:t>
+              <a:t>2019-04-01</a:t>
             </a:fld>
             <a:endParaRPr lang="ko-KR" altLang="en-US"/>
           </a:p>
@@ -1926,7 +1926,7 @@
           <a:p>
             <a:fld id="{8FFD4D7F-A2C0-416B-ABCD-722CD65DF1B3}" type="datetimeFigureOut">
               <a:rPr lang="ko-KR" altLang="en-US" smtClean="0"/>
-              <a:t>2019-03-31</a:t>
+              <a:t>2019-04-01</a:t>
             </a:fld>
             <a:endParaRPr lang="ko-KR" altLang="en-US"/>
           </a:p>
@@ -2201,7 +2201,7 @@
           <a:p>
             <a:fld id="{8FFD4D7F-A2C0-416B-ABCD-722CD65DF1B3}" type="datetimeFigureOut">
               <a:rPr lang="ko-KR" altLang="en-US" smtClean="0"/>
-              <a:t>2019-03-31</a:t>
+              <a:t>2019-04-01</a:t>
             </a:fld>
             <a:endParaRPr lang="ko-KR" altLang="en-US"/>
           </a:p>
@@ -2466,7 +2466,7 @@
           <a:p>
             <a:fld id="{8FFD4D7F-A2C0-416B-ABCD-722CD65DF1B3}" type="datetimeFigureOut">
               <a:rPr lang="ko-KR" altLang="en-US" smtClean="0"/>
-              <a:t>2019-03-31</a:t>
+              <a:t>2019-04-01</a:t>
             </a:fld>
             <a:endParaRPr lang="ko-KR" altLang="en-US"/>
           </a:p>
@@ -2878,7 +2878,7 @@
           <a:p>
             <a:fld id="{8FFD4D7F-A2C0-416B-ABCD-722CD65DF1B3}" type="datetimeFigureOut">
               <a:rPr lang="ko-KR" altLang="en-US" smtClean="0"/>
-              <a:t>2019-03-31</a:t>
+              <a:t>2019-04-01</a:t>
             </a:fld>
             <a:endParaRPr lang="ko-KR" altLang="en-US"/>
           </a:p>
@@ -3019,7 +3019,7 @@
           <a:p>
             <a:fld id="{8FFD4D7F-A2C0-416B-ABCD-722CD65DF1B3}" type="datetimeFigureOut">
               <a:rPr lang="ko-KR" altLang="en-US" smtClean="0"/>
-              <a:t>2019-03-31</a:t>
+              <a:t>2019-04-01</a:t>
             </a:fld>
             <a:endParaRPr lang="ko-KR" altLang="en-US"/>
           </a:p>
@@ -3132,7 +3132,7 @@
           <a:p>
             <a:fld id="{8FFD4D7F-A2C0-416B-ABCD-722CD65DF1B3}" type="datetimeFigureOut">
               <a:rPr lang="ko-KR" altLang="en-US" smtClean="0"/>
-              <a:t>2019-03-31</a:t>
+              <a:t>2019-04-01</a:t>
             </a:fld>
             <a:endParaRPr lang="ko-KR" altLang="en-US"/>
           </a:p>
@@ -3443,7 +3443,7 @@
           <a:p>
             <a:fld id="{8FFD4D7F-A2C0-416B-ABCD-722CD65DF1B3}" type="datetimeFigureOut">
               <a:rPr lang="ko-KR" altLang="en-US" smtClean="0"/>
-              <a:t>2019-03-31</a:t>
+              <a:t>2019-04-01</a:t>
             </a:fld>
             <a:endParaRPr lang="ko-KR" altLang="en-US"/>
           </a:p>
@@ -3731,7 +3731,7 @@
           <a:p>
             <a:fld id="{8FFD4D7F-A2C0-416B-ABCD-722CD65DF1B3}" type="datetimeFigureOut">
               <a:rPr lang="ko-KR" altLang="en-US" smtClean="0"/>
-              <a:t>2019-03-31</a:t>
+              <a:t>2019-04-01</a:t>
             </a:fld>
             <a:endParaRPr lang="ko-KR" altLang="en-US"/>
           </a:p>
@@ -3972,7 +3972,7 @@
           <a:p>
             <a:fld id="{8FFD4D7F-A2C0-416B-ABCD-722CD65DF1B3}" type="datetimeFigureOut">
               <a:rPr lang="ko-KR" altLang="en-US" smtClean="0"/>
-              <a:t>2019-03-31</a:t>
+              <a:t>2019-04-01</a:t>
             </a:fld>
             <a:endParaRPr lang="ko-KR" altLang="en-US"/>
           </a:p>
@@ -4445,11 +4445,11 @@
               <a:t>Kim, </a:t>
             </a:r>
             <a:r>
-              <a:rPr lang="en-US" altLang="ko-KR" sz="2400" dirty="0" err="1" smtClean="0"/>
+              <a:rPr lang="en-US" altLang="ko-KR" sz="2400" dirty="0" err="1"/>
               <a:t>Myeong</a:t>
             </a:r>
             <a:r>
-              <a:rPr lang="en-US" altLang="ko-KR" sz="2400" dirty="0" smtClean="0"/>
+              <a:rPr lang="en-US" altLang="ko-KR" sz="2400" dirty="0"/>
               <a:t> </a:t>
             </a:r>
             <a:r>
@@ -4498,22 +4498,14 @@
             <a:pPr algn="ctr"/>
             <a:r>
               <a:rPr lang="en-US" altLang="ko-KR" sz="4000" dirty="0"/>
-              <a:t>A Mobile Application for </a:t>
-            </a:r>
-            <a:r>
-              <a:rPr lang="en-US" altLang="ko-KR" sz="4000" dirty="0" smtClean="0"/>
-              <a:t>Diabetes</a:t>
+              <a:t>A Mobile Application for Diabetes</a:t>
             </a:r>
             <a:br>
-              <a:rPr lang="en-US" altLang="ko-KR" sz="4000" dirty="0" smtClean="0"/>
+              <a:rPr lang="en-US" altLang="ko-KR" sz="4000" dirty="0"/>
             </a:br>
             <a:r>
-              <a:rPr lang="en-US" altLang="ko-KR" sz="4000" dirty="0" smtClean="0"/>
-              <a:t> </a:t>
-            </a:r>
-            <a:r>
               <a:rPr lang="en-US" altLang="ko-KR" sz="4000" dirty="0"/>
-              <a:t>Self-Management with Psychological Analysis</a:t>
+              <a:t> Self-Management with Psychological Analysis</a:t>
             </a:r>
           </a:p>
         </p:txBody>
@@ -4571,13 +4563,6 @@
   <p:clrMapOvr>
     <a:masterClrMapping/>
   </p:clrMapOvr>
-  <p:timing>
-    <p:tnLst>
-      <p:par>
-        <p:cTn id="1" dur="indefinite" restart="never" nodeType="tmRoot"/>
-      </p:par>
-    </p:tnLst>
-  </p:timing>
 </p:sld>
 </file>
 
@@ -4627,16 +4612,8 @@
           <a:lstStyle/>
           <a:p>
             <a:r>
-              <a:rPr lang="en-US" altLang="ko-KR" sz="3200" b="1" dirty="0" smtClean="0"/>
-              <a:t>Database </a:t>
-            </a:r>
-            <a:r>
               <a:rPr lang="en-US" altLang="ko-KR" sz="3200" b="1" dirty="0"/>
-              <a:t>design </a:t>
-            </a:r>
-            <a:r>
-              <a:rPr lang="en-US" altLang="ko-KR" sz="3200" b="1" dirty="0" smtClean="0"/>
-              <a:t>changed &amp; issues</a:t>
+              <a:t>Database design changed &amp; issues</a:t>
             </a:r>
             <a:endParaRPr lang="ko-KR" altLang="en-US" sz="3200" b="1" dirty="0"/>
           </a:p>
@@ -4705,30 +4682,30 @@
               <a:buChar char="•"/>
             </a:pPr>
             <a:r>
-              <a:rPr lang="en-US" altLang="ko-KR" sz="2400" dirty="0" smtClean="0"/>
+              <a:rPr lang="en-US" altLang="ko-KR" sz="2400" dirty="0"/>
               <a:t>Hosting service(Cafe24) only supports </a:t>
             </a:r>
             <a:r>
-              <a:rPr lang="en-US" altLang="ko-KR" sz="2400" dirty="0" err="1" smtClean="0"/>
+              <a:rPr lang="en-US" altLang="ko-KR" sz="2400" dirty="0" err="1"/>
               <a:t>MyISAM</a:t>
             </a:r>
             <a:r>
-              <a:rPr lang="en-US" altLang="ko-KR" sz="2400" dirty="0" smtClean="0"/>
+              <a:rPr lang="en-US" altLang="ko-KR" sz="2400" dirty="0"/>
               <a:t> storage engine for MySQL. </a:t>
             </a:r>
             <a:br>
-              <a:rPr lang="en-US" altLang="ko-KR" sz="2400" dirty="0" smtClean="0"/>
+              <a:rPr lang="en-US" altLang="ko-KR" sz="2400" dirty="0"/>
             </a:br>
             <a:r>
-              <a:rPr lang="en-US" altLang="ko-KR" sz="2400" dirty="0" smtClean="0"/>
+              <a:rPr lang="en-US" altLang="ko-KR" sz="2400" dirty="0"/>
               <a:t>(No </a:t>
             </a:r>
             <a:r>
-              <a:rPr lang="en-US" altLang="ko-KR" sz="2400" dirty="0" err="1" smtClean="0"/>
+              <a:rPr lang="en-US" altLang="ko-KR" sz="2400" dirty="0" err="1"/>
               <a:t>InnoDB</a:t>
             </a:r>
             <a:r>
-              <a:rPr lang="en-US" altLang="ko-KR" sz="2400" dirty="0" smtClean="0"/>
+              <a:rPr lang="en-US" altLang="ko-KR" sz="2400" dirty="0"/>
               <a:t>).</a:t>
             </a:r>
           </a:p>
@@ -4738,7 +4715,7 @@
               <a:buChar char="•"/>
             </a:pPr>
             <a:r>
-              <a:rPr lang="en-US" altLang="ko-KR" sz="2400" dirty="0" smtClean="0"/>
+              <a:rPr lang="en-US" altLang="ko-KR" sz="2400" dirty="0"/>
               <a:t>It does not support foreign key.</a:t>
             </a:r>
           </a:p>
@@ -4748,7 +4725,7 @@
               <a:buChar char="•"/>
             </a:pPr>
             <a:r>
-              <a:rPr lang="en-US" altLang="ko-KR" sz="2400" dirty="0" smtClean="0"/>
+              <a:rPr lang="en-US" altLang="ko-KR" sz="2400" dirty="0"/>
               <a:t>Referential integrity is not guaranteed.</a:t>
             </a:r>
           </a:p>
@@ -4758,10 +4735,9 @@
               <a:buChar char="•"/>
             </a:pPr>
             <a:r>
-              <a:rPr lang="en-US" altLang="ko-KR" sz="2400" dirty="0" smtClean="0"/>
+              <a:rPr lang="en-US" altLang="ko-KR" sz="2400" dirty="0"/>
               <a:t>Checking it in server-side PHP is required.</a:t>
             </a:r>
-            <a:endParaRPr lang="en-US" altLang="ko-KR" sz="2400" dirty="0"/>
           </a:p>
         </p:txBody>
       </p:sp>
@@ -4794,7 +4770,7 @@
           <a:lstStyle/>
           <a:p>
             <a:r>
-              <a:rPr lang="en-US" altLang="ko-KR" sz="2800" b="1" dirty="0" smtClean="0"/>
+              <a:rPr lang="en-US" altLang="ko-KR" sz="2800" b="1" dirty="0"/>
               <a:t>Issue 2</a:t>
             </a:r>
             <a:endParaRPr lang="ko-KR" altLang="en-US" sz="2800" b="1" dirty="0"/>
@@ -4811,13 +4787,6 @@
   <p:clrMapOvr>
     <a:masterClrMapping/>
   </p:clrMapOvr>
-  <p:timing>
-    <p:tnLst>
-      <p:par>
-        <p:cTn id="1" dur="indefinite" restart="never" nodeType="tmRoot"/>
-      </p:par>
-    </p:tnLst>
-  </p:timing>
 </p:sld>
 </file>
 
@@ -4867,26 +4836,26 @@
           <a:lstStyle/>
           <a:p>
             <a:r>
-              <a:rPr lang="en-US" altLang="ko-KR" sz="3200" b="1" dirty="0" smtClean="0"/>
+              <a:rPr lang="en-US" altLang="ko-KR" sz="3200" b="1" dirty="0"/>
               <a:t>Diary Activity UI Design Implementation and </a:t>
             </a:r>
             <a:br>
-              <a:rPr lang="en-US" altLang="ko-KR" sz="3200" b="1" dirty="0" smtClean="0"/>
+              <a:rPr lang="en-US" altLang="ko-KR" sz="3200" b="1" dirty="0"/>
             </a:br>
             <a:r>
-              <a:rPr lang="en-US" altLang="ko-KR" sz="3200" b="1" dirty="0" smtClean="0"/>
+              <a:rPr lang="en-US" altLang="ko-KR" sz="3200" b="1" dirty="0"/>
               <a:t>database connection</a:t>
             </a:r>
             <a:r>
-              <a:rPr lang="en-US" altLang="ko-KR" sz="1200" b="1" dirty="0" smtClean="0"/>
+              <a:rPr lang="en-US" altLang="ko-KR" sz="1200" b="1" dirty="0"/>
               <a:t>(by Sung, Ho </a:t>
             </a:r>
             <a:r>
-              <a:rPr lang="en-US" altLang="ko-KR" sz="1200" b="1" dirty="0" err="1" smtClean="0"/>
+              <a:rPr lang="en-US" altLang="ko-KR" sz="1200" b="1" dirty="0" err="1"/>
               <a:t>Joon</a:t>
             </a:r>
             <a:r>
-              <a:rPr lang="en-US" altLang="ko-KR" sz="1200" b="1" dirty="0" smtClean="0"/>
+              <a:rPr lang="en-US" altLang="ko-KR" sz="1200" b="1" dirty="0"/>
               <a:t>)</a:t>
             </a:r>
             <a:endParaRPr lang="ko-KR" altLang="en-US" sz="3200" b="1" dirty="0"/>
@@ -5157,7 +5126,7 @@
           <a:lstStyle/>
           <a:p>
             <a:r>
-              <a:rPr lang="en-US" altLang="ko-KR" b="1" dirty="0" err="1" smtClean="0"/>
+              <a:rPr lang="en-US" altLang="ko-KR" b="1" dirty="0" err="1"/>
               <a:t>ListView</a:t>
             </a:r>
             <a:endParaRPr lang="ko-KR" altLang="en-US" b="1" dirty="0"/>
@@ -5392,7 +5361,7 @@
           <a:lstStyle/>
           <a:p>
             <a:r>
-              <a:rPr lang="en-US" altLang="ko-KR" b="1" dirty="0" smtClean="0"/>
+              <a:rPr lang="en-US" altLang="ko-KR" b="1" dirty="0"/>
               <a:t>Custom Layout</a:t>
             </a:r>
             <a:endParaRPr lang="ko-KR" altLang="en-US" b="1" dirty="0"/>
@@ -5945,15 +5914,15 @@
           <a:lstStyle/>
           <a:p>
             <a:r>
-              <a:rPr lang="en-US" altLang="ko-KR" b="1" dirty="0" smtClean="0"/>
+              <a:rPr lang="en-US" altLang="ko-KR" b="1" dirty="0"/>
               <a:t>Displays moods by </a:t>
             </a:r>
             <a:r>
-              <a:rPr lang="en-US" altLang="ko-KR" b="1" dirty="0" err="1" smtClean="0"/>
+              <a:rPr lang="en-US" altLang="ko-KR" b="1" dirty="0" err="1"/>
               <a:t>emojis</a:t>
             </a:r>
             <a:r>
-              <a:rPr lang="en-US" altLang="ko-KR" b="1" dirty="0" smtClean="0"/>
+              <a:rPr lang="en-US" altLang="ko-KR" b="1" dirty="0"/>
               <a:t>.</a:t>
             </a:r>
           </a:p>
@@ -5988,7 +5957,7 @@
           <a:lstStyle/>
           <a:p>
             <a:r>
-              <a:rPr lang="en-US" altLang="ko-KR" b="1" dirty="0" smtClean="0"/>
+              <a:rPr lang="en-US" altLang="ko-KR" b="1" dirty="0"/>
               <a:t>Displays diary contents</a:t>
             </a:r>
             <a:endParaRPr lang="ko-KR" altLang="en-US" b="1" dirty="0"/>
@@ -6024,7 +5993,7 @@
           <a:lstStyle/>
           <a:p>
             <a:r>
-              <a:rPr lang="en-US" altLang="ko-KR" b="1" dirty="0" smtClean="0"/>
+              <a:rPr lang="en-US" altLang="ko-KR" b="1" dirty="0"/>
               <a:t>Displays registered date</a:t>
             </a:r>
             <a:endParaRPr lang="ko-KR" altLang="en-US" b="1" dirty="0"/>
@@ -6041,13 +6010,6 @@
   <p:clrMapOvr>
     <a:masterClrMapping/>
   </p:clrMapOvr>
-  <p:timing>
-    <p:tnLst>
-      <p:par>
-        <p:cTn id="1" dur="indefinite" restart="never" nodeType="tmRoot"/>
-      </p:par>
-    </p:tnLst>
-  </p:timing>
 </p:sld>
 </file>
 
@@ -6097,27 +6059,27 @@
           <a:lstStyle/>
           <a:p>
             <a:r>
-              <a:rPr lang="en-US" altLang="ko-KR" sz="3200" b="1" dirty="0" smtClean="0"/>
+              <a:rPr lang="en-US" altLang="ko-KR" sz="3200" b="1" dirty="0"/>
               <a:t>BG and medication UI Design Implementation</a:t>
             </a:r>
             <a:r>
-              <a:rPr lang="en-US" altLang="ko-KR" sz="1200" b="1" dirty="0" smtClean="0"/>
+              <a:rPr lang="en-US" altLang="ko-KR" sz="1200" b="1" dirty="0"/>
               <a:t>(by Kim, </a:t>
             </a:r>
             <a:r>
-              <a:rPr lang="en-US" altLang="ko-KR" sz="1200" b="1" dirty="0" err="1" smtClean="0"/>
+              <a:rPr lang="en-US" altLang="ko-KR" sz="1200" b="1" dirty="0" err="1"/>
               <a:t>Myeong</a:t>
             </a:r>
             <a:r>
-              <a:rPr lang="en-US" altLang="ko-KR" sz="1200" b="1" dirty="0" smtClean="0"/>
+              <a:rPr lang="en-US" altLang="ko-KR" sz="1200" b="1" dirty="0"/>
               <a:t> </a:t>
             </a:r>
             <a:r>
-              <a:rPr lang="en-US" altLang="ko-KR" sz="1200" b="1" dirty="0" err="1" smtClean="0"/>
+              <a:rPr lang="en-US" altLang="ko-KR" sz="1200" b="1" dirty="0" err="1"/>
               <a:t>Gyu</a:t>
             </a:r>
             <a:r>
-              <a:rPr lang="en-US" altLang="ko-KR" sz="1200" b="1" dirty="0" smtClean="0"/>
+              <a:rPr lang="en-US" altLang="ko-KR" sz="1200" b="1" dirty="0"/>
               <a:t>)</a:t>
             </a:r>
             <a:endParaRPr lang="ko-KR" altLang="en-US" sz="3200" b="1" dirty="0"/>
@@ -6194,13 +6156,6 @@
   <p:clrMapOvr>
     <a:masterClrMapping/>
   </p:clrMapOvr>
-  <p:timing>
-    <p:tnLst>
-      <p:par>
-        <p:cTn id="1" dur="indefinite" restart="never" nodeType="tmRoot"/>
-      </p:par>
-    </p:tnLst>
-  </p:timing>
 </p:sld>
 </file>
 
@@ -6311,13 +6266,6 @@
   <p:clrMapOvr>
     <a:masterClrMapping/>
   </p:clrMapOvr>
-  <p:timing>
-    <p:tnLst>
-      <p:par>
-        <p:cTn id="1" dur="indefinite" restart="never" nodeType="tmRoot"/>
-      </p:par>
-    </p:tnLst>
-  </p:timing>
 </p:sld>
 </file>
 
@@ -6367,12 +6315,8 @@
           <a:lstStyle/>
           <a:p>
             <a:r>
-              <a:rPr lang="en-US" altLang="ko-KR" sz="3200" b="1" dirty="0" smtClean="0"/>
-              <a:t>Schedule for Next </a:t>
-            </a:r>
-            <a:r>
               <a:rPr lang="en-US" altLang="ko-KR" sz="3200" b="1" dirty="0"/>
-              <a:t>Week</a:t>
+              <a:t>Schedule for Next Week</a:t>
             </a:r>
             <a:endParaRPr lang="ko-KR" altLang="en-US" sz="3200" b="1" dirty="0"/>
           </a:p>
@@ -6411,33 +6355,32 @@
               <a:buChar char="•"/>
             </a:pPr>
             <a:r>
-              <a:rPr lang="en-US" altLang="ko-KR" sz="2400" dirty="0" smtClean="0"/>
+              <a:rPr lang="en-US" altLang="ko-KR" sz="2400" dirty="0"/>
               <a:t>Kim, </a:t>
             </a:r>
             <a:r>
-              <a:rPr lang="en-US" altLang="ko-KR" sz="2400" dirty="0" err="1" smtClean="0"/>
+              <a:rPr lang="en-US" altLang="ko-KR" sz="2400" dirty="0" err="1"/>
               <a:t>Myeong</a:t>
             </a:r>
             <a:r>
-              <a:rPr lang="en-US" altLang="ko-KR" sz="2400" dirty="0" smtClean="0"/>
+              <a:rPr lang="en-US" altLang="ko-KR" sz="2400" dirty="0"/>
               <a:t> </a:t>
             </a:r>
             <a:r>
-              <a:rPr lang="en-US" altLang="ko-KR" sz="2400" dirty="0" err="1" smtClean="0"/>
+              <a:rPr lang="en-US" altLang="ko-KR" sz="2400" dirty="0" err="1"/>
               <a:t>Gyu</a:t>
             </a:r>
             <a:r>
-              <a:rPr lang="en-US" altLang="ko-KR" sz="2400" dirty="0" smtClean="0"/>
+              <a:rPr lang="en-US" altLang="ko-KR" sz="2400" dirty="0"/>
               <a:t>: Login, sign-in UI and function implementation,</a:t>
             </a:r>
             <a:br>
-              <a:rPr lang="en-US" altLang="ko-KR" sz="2400" dirty="0" smtClean="0"/>
+              <a:rPr lang="en-US" altLang="ko-KR" sz="2400" dirty="0"/>
             </a:br>
             <a:r>
-              <a:rPr lang="en-US" altLang="ko-KR" sz="2400" dirty="0" smtClean="0"/>
+              <a:rPr lang="en-US" altLang="ko-KR" sz="2400" dirty="0"/>
               <a:t>                         Meal tracker UI implementation</a:t>
             </a:r>
-            <a:endParaRPr lang="en-US" altLang="ko-KR" sz="2400" dirty="0"/>
           </a:p>
           <a:p>
             <a:pPr marL="285750" indent="-285750">
@@ -6445,25 +6388,24 @@
               <a:buChar char="•"/>
             </a:pPr>
             <a:r>
-              <a:rPr lang="en-US" altLang="ko-KR" sz="2400" dirty="0" smtClean="0"/>
+              <a:rPr lang="en-US" altLang="ko-KR" sz="2400" dirty="0"/>
               <a:t>Nam, </a:t>
             </a:r>
             <a:r>
-              <a:rPr lang="en-US" altLang="ko-KR" sz="2400" dirty="0" err="1" smtClean="0"/>
+              <a:rPr lang="en-US" altLang="ko-KR" sz="2400" dirty="0" err="1"/>
               <a:t>Geun</a:t>
             </a:r>
             <a:r>
-              <a:rPr lang="en-US" altLang="ko-KR" sz="2400" dirty="0" smtClean="0"/>
+              <a:rPr lang="en-US" altLang="ko-KR" sz="2400" dirty="0"/>
               <a:t> Woo: Server-side PHP design for login and sign-in,</a:t>
             </a:r>
             <a:br>
-              <a:rPr lang="en-US" altLang="ko-KR" sz="2400" dirty="0" smtClean="0"/>
+              <a:rPr lang="en-US" altLang="ko-KR" sz="2400" dirty="0"/>
             </a:br>
             <a:r>
-              <a:rPr lang="en-US" altLang="ko-KR" sz="2400" dirty="0" smtClean="0"/>
+              <a:rPr lang="en-US" altLang="ko-KR" sz="2400" dirty="0"/>
               <a:t>                       Sentiment analysis function implementation</a:t>
             </a:r>
-            <a:endParaRPr lang="en-US" altLang="ko-KR" sz="2400" dirty="0"/>
           </a:p>
           <a:p>
             <a:pPr marL="285750" indent="-285750">
@@ -6471,11 +6413,11 @@
               <a:buChar char="•"/>
             </a:pPr>
             <a:r>
-              <a:rPr lang="en-US" altLang="ko-KR" sz="2400" dirty="0" smtClean="0"/>
+              <a:rPr lang="en-US" altLang="ko-KR" sz="2400" dirty="0"/>
               <a:t>Sung, ho </a:t>
             </a:r>
             <a:r>
-              <a:rPr lang="en-US" altLang="ko-KR" sz="2400" dirty="0" err="1" smtClean="0"/>
+              <a:rPr lang="en-US" altLang="ko-KR" sz="2400" dirty="0" err="1"/>
               <a:t>Joon</a:t>
             </a:r>
             <a:r>
@@ -6486,16 +6428,8 @@
               <a:rPr lang="en-US" altLang="ko-KR" sz="2400" dirty="0"/>
             </a:br>
             <a:r>
-              <a:rPr lang="en-US" altLang="ko-KR" sz="2400" dirty="0" smtClean="0"/>
-              <a:t>                     </a:t>
-            </a:r>
-            <a:r>
               <a:rPr lang="en-US" altLang="ko-KR" sz="2400" dirty="0"/>
-              <a:t>Sentiment analysis function </a:t>
-            </a:r>
-            <a:r>
-              <a:rPr lang="en-US" altLang="ko-KR" sz="2400" dirty="0" smtClean="0"/>
-              <a:t>implementation</a:t>
+              <a:t>                     Sentiment analysis function implementation</a:t>
             </a:r>
             <a:endParaRPr lang="ko-KR" altLang="en-US" sz="2400" dirty="0"/>
           </a:p>
@@ -6693,13 +6627,6 @@
   <p:clrMapOvr>
     <a:masterClrMapping/>
   </p:clrMapOvr>
-  <p:timing>
-    <p:tnLst>
-      <p:par>
-        <p:cTn id="1" dur="indefinite" restart="never" nodeType="tmRoot"/>
-      </p:par>
-    </p:tnLst>
-  </p:timing>
 </p:sld>
 </file>
 
@@ -6808,13 +6735,6 @@
   <p:clrMapOvr>
     <a:masterClrMapping/>
   </p:clrMapOvr>
-  <p:timing>
-    <p:tnLst>
-      <p:par>
-        <p:cTn id="1" dur="indefinite" restart="never" nodeType="tmRoot"/>
-      </p:par>
-    </p:tnLst>
-  </p:timing>
 </p:sld>
 </file>
 
@@ -7046,13 +6966,6 @@
   <p:clrMapOvr>
     <a:masterClrMapping/>
   </p:clrMapOvr>
-  <p:timing>
-    <p:tnLst>
-      <p:par>
-        <p:cTn id="1" dur="indefinite" restart="never" nodeType="tmRoot"/>
-      </p:par>
-    </p:tnLst>
-  </p:timing>
 </p:sld>
 </file>
 
@@ -7163,13 +7076,6 @@
   <p:clrMapOvr>
     <a:masterClrMapping/>
   </p:clrMapOvr>
-  <p:timing>
-    <p:tnLst>
-      <p:par>
-        <p:cTn id="1" dur="indefinite" restart="never" nodeType="tmRoot"/>
-      </p:par>
-    </p:tnLst>
-  </p:timing>
 </p:sld>
 </file>
 
@@ -7219,7 +7125,7 @@
           <a:lstStyle/>
           <a:p>
             <a:r>
-              <a:rPr lang="en-US" altLang="ko-KR" sz="3600" b="1" dirty="0" smtClean="0"/>
+              <a:rPr lang="en-US" altLang="ko-KR" sz="3600" b="1" dirty="0"/>
               <a:t>Usability Issues</a:t>
             </a:r>
             <a:endParaRPr lang="ko-KR" altLang="en-US" sz="3600" b="1" dirty="0"/>
@@ -7259,7 +7165,7 @@
               <a:buChar char="•"/>
             </a:pPr>
             <a:r>
-              <a:rPr lang="en-US" altLang="ko-KR" sz="2400" dirty="0" smtClean="0"/>
+              <a:rPr lang="en-US" altLang="ko-KR" sz="2400" dirty="0"/>
               <a:t>Fine motor skills and cognitive ability decreases by aging.</a:t>
             </a:r>
           </a:p>
@@ -7269,7 +7175,7 @@
               <a:buChar char="•"/>
             </a:pPr>
             <a:r>
-              <a:rPr lang="en-US" altLang="ko-KR" sz="2400" dirty="0" smtClean="0"/>
+              <a:rPr lang="en-US" altLang="ko-KR" sz="2400" dirty="0"/>
               <a:t>It leads to more frequent typos.</a:t>
             </a:r>
           </a:p>
@@ -7279,7 +7185,7 @@
               <a:buChar char="•"/>
             </a:pPr>
             <a:r>
-              <a:rPr lang="en-US" altLang="ko-KR" sz="2400" dirty="0" smtClean="0"/>
+              <a:rPr lang="en-US" altLang="ko-KR" sz="2400" dirty="0"/>
               <a:t>We need to consider usability of elderly users.</a:t>
             </a:r>
           </a:p>
@@ -7289,7 +7195,7 @@
               <a:buChar char="•"/>
             </a:pPr>
             <a:r>
-              <a:rPr lang="en-US" altLang="ko-KR" sz="2400" dirty="0" smtClean="0"/>
+              <a:rPr lang="en-US" altLang="ko-KR" sz="2400" dirty="0"/>
               <a:t>We will add voice recognition system to write diary data.</a:t>
             </a:r>
             <a:endParaRPr lang="ko-KR" altLang="en-US" sz="2400" dirty="0"/>
@@ -7336,13 +7242,6 @@
   <p:clrMapOvr>
     <a:masterClrMapping/>
   </p:clrMapOvr>
-  <p:timing>
-    <p:tnLst>
-      <p:par>
-        <p:cTn id="1" dur="indefinite" restart="never" nodeType="tmRoot"/>
-      </p:par>
-    </p:tnLst>
-  </p:timing>
 </p:sld>
 </file>
 
@@ -7392,7 +7291,7 @@
           <a:lstStyle/>
           <a:p>
             <a:r>
-              <a:rPr lang="en-US" altLang="ko-KR" sz="3600" b="1" dirty="0" smtClean="0"/>
+              <a:rPr lang="en-US" altLang="ko-KR" sz="3600" b="1" dirty="0"/>
               <a:t>Language support</a:t>
             </a:r>
             <a:endParaRPr lang="ko-KR" altLang="en-US" sz="3600" b="1" dirty="0"/>
@@ -7432,7 +7331,7 @@
               <a:buChar char="•"/>
             </a:pPr>
             <a:r>
-              <a:rPr lang="en-US" altLang="ko-KR" sz="2400" dirty="0" smtClean="0"/>
+              <a:rPr lang="en-US" altLang="ko-KR" sz="2400" dirty="0"/>
               <a:t>Most NLP models supports English.</a:t>
             </a:r>
           </a:p>
@@ -7442,10 +7341,9 @@
               <a:buChar char="•"/>
             </a:pPr>
             <a:r>
-              <a:rPr lang="en-US" altLang="ko-KR" sz="2400" dirty="0" smtClean="0"/>
+              <a:rPr lang="en-US" altLang="ko-KR" sz="2400" dirty="0"/>
               <a:t>We have 2 alternatives to support Korean.</a:t>
             </a:r>
-            <a:endParaRPr lang="en-US" altLang="ko-KR" sz="2400" dirty="0" smtClean="0"/>
           </a:p>
         </p:txBody>
       </p:sp>
@@ -7492,7 +7390,7 @@
           <a:p>
             <a:pPr algn="ctr"/>
             <a:r>
-              <a:rPr lang="en-US" altLang="ko-KR" sz="2400" dirty="0" smtClean="0"/>
+              <a:rPr lang="en-US" altLang="ko-KR" sz="2400" dirty="0"/>
               <a:t>Korean</a:t>
             </a:r>
             <a:endParaRPr lang="ko-KR" altLang="en-US" sz="2400" dirty="0"/>
@@ -7542,7 +7440,7 @@
           <a:p>
             <a:pPr algn="ctr"/>
             <a:r>
-              <a:rPr lang="en-US" altLang="ko-KR" sz="2400" dirty="0" smtClean="0"/>
+              <a:rPr lang="en-US" altLang="ko-KR" sz="2400" dirty="0"/>
               <a:t>Result</a:t>
             </a:r>
             <a:endParaRPr lang="ko-KR" altLang="en-US" sz="2400" dirty="0"/>
@@ -7592,7 +7490,7 @@
           <a:p>
             <a:pPr algn="ctr"/>
             <a:r>
-              <a:rPr lang="en-US" altLang="ko-KR" sz="2400" dirty="0" smtClean="0"/>
+              <a:rPr lang="en-US" altLang="ko-KR" sz="2400" dirty="0"/>
               <a:t>Korean</a:t>
             </a:r>
             <a:endParaRPr lang="ko-KR" altLang="en-US" sz="2400" dirty="0"/>
@@ -7642,7 +7540,7 @@
           <a:p>
             <a:pPr algn="ctr"/>
             <a:r>
-              <a:rPr lang="en-US" altLang="ko-KR" sz="2400" dirty="0" smtClean="0"/>
+              <a:rPr lang="en-US" altLang="ko-KR" sz="2400" dirty="0"/>
               <a:t>English</a:t>
             </a:r>
             <a:endParaRPr lang="ko-KR" altLang="en-US" sz="2400" dirty="0"/>
@@ -7692,7 +7590,7 @@
           <a:p>
             <a:pPr algn="ctr"/>
             <a:r>
-              <a:rPr lang="en-US" altLang="ko-KR" sz="2400" dirty="0" smtClean="0"/>
+              <a:rPr lang="en-US" altLang="ko-KR" sz="2400" dirty="0"/>
               <a:t>Result</a:t>
             </a:r>
             <a:endParaRPr lang="ko-KR" altLang="en-US" sz="2400" dirty="0"/>
@@ -7729,10 +7627,9 @@
           <a:p>
             <a:pPr algn="ctr"/>
             <a:r>
-              <a:rPr lang="en-US" altLang="ko-KR" sz="2400" dirty="0" smtClean="0"/>
+              <a:rPr lang="en-US" altLang="ko-KR" sz="2400" dirty="0"/>
               <a:t>Alt. 1</a:t>
             </a:r>
-            <a:endParaRPr lang="en-US" altLang="ko-KR" sz="2400" dirty="0" smtClean="0"/>
           </a:p>
         </p:txBody>
       </p:sp>
@@ -7766,10 +7663,9 @@
           <a:p>
             <a:pPr algn="ctr"/>
             <a:r>
-              <a:rPr lang="en-US" altLang="ko-KR" sz="2400" dirty="0" smtClean="0"/>
+              <a:rPr lang="en-US" altLang="ko-KR" sz="2400" dirty="0"/>
               <a:t>Alt. 2</a:t>
             </a:r>
-            <a:endParaRPr lang="en-US" altLang="ko-KR" sz="2400" dirty="0" smtClean="0"/>
           </a:p>
         </p:txBody>
       </p:sp>
@@ -7970,14 +7866,14 @@
           <a:p>
             <a:pPr algn="ctr"/>
             <a:r>
-              <a:rPr lang="en-US" altLang="ko-KR" dirty="0" smtClean="0"/>
+              <a:rPr lang="en-US" altLang="ko-KR" dirty="0"/>
               <a:t>Sentiment</a:t>
             </a:r>
           </a:p>
           <a:p>
             <a:pPr algn="ctr"/>
             <a:r>
-              <a:rPr lang="en-US" altLang="ko-KR" dirty="0" smtClean="0"/>
+              <a:rPr lang="en-US" altLang="ko-KR" dirty="0"/>
               <a:t>Analysis</a:t>
             </a:r>
             <a:endParaRPr lang="ko-KR" altLang="en-US" dirty="0"/>
@@ -8021,14 +7917,14 @@
           <a:p>
             <a:pPr algn="ctr"/>
             <a:r>
-              <a:rPr lang="en-US" altLang="ko-KR" dirty="0" smtClean="0"/>
+              <a:rPr lang="en-US" altLang="ko-KR" dirty="0"/>
               <a:t>Sentiment</a:t>
             </a:r>
           </a:p>
           <a:p>
             <a:pPr algn="ctr"/>
             <a:r>
-              <a:rPr lang="en-US" altLang="ko-KR" dirty="0" smtClean="0"/>
+              <a:rPr lang="en-US" altLang="ko-KR" dirty="0"/>
               <a:t>Analysis</a:t>
             </a:r>
             <a:endParaRPr lang="ko-KR" altLang="en-US" dirty="0"/>
@@ -8105,10 +8001,9 @@
           <a:p>
             <a:pPr algn="ctr"/>
             <a:r>
-              <a:rPr lang="en-US" altLang="ko-KR" sz="1200" dirty="0" smtClean="0"/>
+              <a:rPr lang="en-US" altLang="ko-KR" sz="1200" dirty="0"/>
               <a:t>Translation</a:t>
             </a:r>
-            <a:endParaRPr lang="en-US" altLang="ko-KR" sz="1200" dirty="0" smtClean="0"/>
           </a:p>
         </p:txBody>
       </p:sp>
@@ -8122,13 +8017,6 @@
   <p:clrMapOvr>
     <a:masterClrMapping/>
   </p:clrMapOvr>
-  <p:timing>
-    <p:tnLst>
-      <p:par>
-        <p:cTn id="1" dur="indefinite" restart="never" nodeType="tmRoot"/>
-      </p:par>
-    </p:tnLst>
-  </p:timing>
 </p:sld>
 </file>
 
@@ -8239,13 +8127,6 @@
   <p:clrMapOvr>
     <a:masterClrMapping/>
   </p:clrMapOvr>
-  <p:timing>
-    <p:tnLst>
-      <p:par>
-        <p:cTn id="1" dur="indefinite" restart="never" nodeType="tmRoot"/>
-      </p:par>
-    </p:tnLst>
-  </p:timing>
 </p:sld>
 </file>
 
@@ -8295,7 +8176,7 @@
           <a:lstStyle/>
           <a:p>
             <a:r>
-              <a:rPr lang="en-US" altLang="ko-KR" sz="3200" b="1" dirty="0" smtClean="0"/>
+              <a:rPr lang="en-US" altLang="ko-KR" sz="3200" b="1" dirty="0"/>
               <a:t>NLP models from GitHub</a:t>
             </a:r>
             <a:endParaRPr lang="ko-KR" altLang="en-US" sz="3200" b="1" dirty="0"/>
@@ -8382,7 +8263,7 @@
                     <a:p>
                       <a:pPr algn="ctr" latinLnBrk="1"/>
                       <a:r>
-                        <a:rPr lang="en-US" altLang="ko-KR" sz="2400" b="1" dirty="0" smtClean="0"/>
+                        <a:rPr lang="en-US" altLang="ko-KR" sz="2400" b="1" dirty="0"/>
                         <a:t>Language support</a:t>
                       </a:r>
                       <a:endParaRPr lang="ko-KR" altLang="en-US" sz="2400" b="1" dirty="0"/>
@@ -8397,7 +8278,7 @@
                     <a:p>
                       <a:pPr algn="ctr" latinLnBrk="1"/>
                       <a:r>
-                        <a:rPr lang="en-US" altLang="ko-KR" sz="2400" b="1" dirty="0" smtClean="0"/>
+                        <a:rPr lang="en-US" altLang="ko-KR" sz="2400" b="1" dirty="0"/>
                         <a:t>modes</a:t>
                       </a:r>
                       <a:endParaRPr lang="ko-KR" altLang="en-US" sz="2400" b="1" dirty="0"/>
@@ -8412,7 +8293,7 @@
                     <a:p>
                       <a:pPr algn="ctr" latinLnBrk="1"/>
                       <a:r>
-                        <a:rPr lang="en-US" altLang="ko-KR" sz="2400" b="1" dirty="0" smtClean="0"/>
+                        <a:rPr lang="en-US" altLang="ko-KR" sz="2400" b="1" dirty="0"/>
                         <a:t>Written in</a:t>
                       </a:r>
                       <a:endParaRPr lang="ko-KR" altLang="en-US" sz="2400" b="1" dirty="0"/>
@@ -8427,7 +8308,7 @@
                     <a:p>
                       <a:pPr algn="ctr" latinLnBrk="1"/>
                       <a:r>
-                        <a:rPr lang="en-US" altLang="ko-KR" sz="2400" b="1" dirty="0" smtClean="0"/>
+                        <a:rPr lang="en-US" altLang="ko-KR" sz="2400" b="1" dirty="0"/>
                         <a:t>License</a:t>
                       </a:r>
                       <a:endParaRPr lang="ko-KR" altLang="en-US" sz="2400" b="1" dirty="0"/>
@@ -8449,19 +8330,19 @@
                     <a:p>
                       <a:pPr algn="ctr" latinLnBrk="1"/>
                       <a:r>
-                        <a:rPr lang="en-US" altLang="ko-KR" sz="2400" b="1" dirty="0" smtClean="0"/>
+                        <a:rPr lang="en-US" altLang="ko-KR" sz="2400" b="1" dirty="0"/>
                         <a:t>Stanford </a:t>
                       </a:r>
                       <a:r>
-                        <a:rPr lang="en-US" altLang="ko-KR" sz="2400" b="1" dirty="0" err="1" smtClean="0"/>
+                        <a:rPr lang="en-US" altLang="ko-KR" sz="2400" b="1" dirty="0" err="1"/>
                         <a:t>CoreNLP</a:t>
                       </a:r>
-                      <a:endParaRPr lang="en-US" altLang="ko-KR" sz="2400" b="1" dirty="0" smtClean="0"/>
+                      <a:endParaRPr lang="en-US" altLang="ko-KR" sz="2400" b="1" dirty="0"/>
                     </a:p>
                     <a:p>
                       <a:pPr algn="ctr" latinLnBrk="1"/>
                       <a:r>
-                        <a:rPr lang="en-US" altLang="ko-KR" sz="700" b="1" dirty="0" smtClean="0"/>
+                        <a:rPr lang="en-US" altLang="ko-KR" sz="700" b="1" dirty="0"/>
                         <a:t>(https://github.com/Ruthwik/Sentiment-Analysis)</a:t>
                       </a:r>
                       <a:endParaRPr lang="ko-KR" altLang="en-US" sz="700" b="1" dirty="0"/>
@@ -8476,7 +8357,7 @@
                     <a:p>
                       <a:pPr algn="ctr" latinLnBrk="1"/>
                       <a:r>
-                        <a:rPr lang="en-US" altLang="ko-KR" sz="2400" b="1" dirty="0" err="1" smtClean="0"/>
+                        <a:rPr lang="en-US" altLang="ko-KR" sz="2400" b="1" dirty="0" err="1"/>
                         <a:t>Englsih</a:t>
                       </a:r>
                       <a:endParaRPr lang="ko-KR" altLang="en-US" sz="2400" b="1" dirty="0"/>
@@ -8491,21 +8372,21 @@
                     <a:p>
                       <a:pPr algn="ctr" latinLnBrk="1"/>
                       <a:r>
-                        <a:rPr lang="en-US" altLang="ko-KR" sz="2400" b="1" dirty="0" smtClean="0"/>
+                        <a:rPr lang="en-US" altLang="ko-KR" sz="2400" b="1" dirty="0"/>
                         <a:t>Deep learning,</a:t>
                       </a:r>
                     </a:p>
                     <a:p>
                       <a:pPr algn="ctr" latinLnBrk="1"/>
                       <a:r>
-                        <a:rPr lang="en-US" altLang="ko-KR" sz="2400" b="1" dirty="0" smtClean="0"/>
+                        <a:rPr lang="en-US" altLang="ko-KR" sz="2400" b="1" dirty="0"/>
                         <a:t>Rule-based,</a:t>
                       </a:r>
                     </a:p>
                     <a:p>
                       <a:pPr algn="ctr" latinLnBrk="1"/>
                       <a:r>
-                        <a:rPr lang="en-US" altLang="ko-KR" sz="2400" b="1" dirty="0" smtClean="0"/>
+                        <a:rPr lang="en-US" altLang="ko-KR" sz="2400" b="1" dirty="0"/>
                         <a:t>statistical</a:t>
                       </a:r>
                       <a:endParaRPr lang="ko-KR" altLang="en-US" sz="2400" b="1" dirty="0"/>
@@ -8520,7 +8401,7 @@
                     <a:p>
                       <a:pPr algn="ctr" latinLnBrk="1"/>
                       <a:r>
-                        <a:rPr lang="en-US" altLang="ko-KR" sz="2400" b="1" dirty="0" smtClean="0"/>
+                        <a:rPr lang="en-US" altLang="ko-KR" sz="2400" b="1" dirty="0"/>
                         <a:t>JAVA</a:t>
                       </a:r>
                       <a:endParaRPr lang="ko-KR" altLang="en-US" sz="2400" b="1" dirty="0"/>
@@ -8535,7 +8416,7 @@
                     <a:p>
                       <a:pPr algn="ctr" latinLnBrk="1"/>
                       <a:r>
-                        <a:rPr lang="en-US" altLang="ko-KR" sz="2400" b="1" dirty="0" smtClean="0"/>
+                        <a:rPr lang="en-US" altLang="ko-KR" sz="2400" b="1" dirty="0"/>
                         <a:t>LGPL v3.0</a:t>
                       </a:r>
                       <a:endParaRPr lang="ko-KR" altLang="en-US" sz="2400" b="1" dirty="0"/>
@@ -8557,14 +8438,14 @@
                     <a:p>
                       <a:pPr algn="ctr" latinLnBrk="1"/>
                       <a:r>
-                        <a:rPr lang="en-US" altLang="ko-KR" sz="2400" b="1" dirty="0" smtClean="0"/>
+                        <a:rPr lang="en-US" altLang="ko-KR" sz="2400" b="1" dirty="0"/>
                         <a:t>Sentiment-Analysis-in-Java</a:t>
                       </a:r>
                     </a:p>
                     <a:p>
                       <a:pPr algn="ctr" latinLnBrk="1"/>
                       <a:r>
-                        <a:rPr lang="en-US" altLang="ko-KR" sz="700" b="1" dirty="0" smtClean="0"/>
+                        <a:rPr lang="en-US" altLang="ko-KR" sz="700" b="1" dirty="0"/>
                         <a:t>(https://github.com/atripa5/Sentiment-Analysis-in-Java)</a:t>
                       </a:r>
                     </a:p>
@@ -8578,7 +8459,7 @@
                     <a:p>
                       <a:pPr algn="ctr" latinLnBrk="1"/>
                       <a:r>
-                        <a:rPr lang="en-US" altLang="ko-KR" sz="2400" b="1" dirty="0" err="1" smtClean="0"/>
+                        <a:rPr lang="en-US" altLang="ko-KR" sz="2400" b="1" dirty="0" err="1"/>
                         <a:t>Englsih</a:t>
                       </a:r>
                       <a:endParaRPr lang="ko-KR" altLang="en-US" sz="2400" b="1" dirty="0"/>
@@ -8593,18 +8474,14 @@
                     <a:p>
                       <a:pPr algn="ctr" latinLnBrk="1"/>
                       <a:r>
-                        <a:rPr lang="en-US" altLang="ko-KR" sz="2400" b="1" dirty="0" smtClean="0"/>
+                        <a:rPr lang="en-US" altLang="ko-KR" sz="2400" b="1" dirty="0"/>
                         <a:t>Rule-based</a:t>
                       </a:r>
-                      <a:r>
-                        <a:rPr lang="en-US" altLang="ko-KR" sz="2400" b="1" baseline="0" dirty="0" smtClean="0"/>
-                        <a:t/>
-                      </a:r>
                       <a:br>
-                        <a:rPr lang="en-US" altLang="ko-KR" sz="2400" b="1" baseline="0" dirty="0" smtClean="0"/>
+                        <a:rPr lang="en-US" altLang="ko-KR" sz="2400" b="1" baseline="0" dirty="0"/>
                       </a:br>
                       <a:r>
-                        <a:rPr lang="en-US" altLang="ko-KR" sz="2400" b="1" baseline="0" dirty="0" smtClean="0"/>
+                        <a:rPr lang="en-US" altLang="ko-KR" sz="2400" b="1" baseline="0" dirty="0"/>
                         <a:t>(scoring by words in dictionary)</a:t>
                       </a:r>
                       <a:endParaRPr lang="ko-KR" altLang="en-US" sz="2400" b="1" dirty="0"/>
@@ -8619,7 +8496,7 @@
                     <a:p>
                       <a:pPr algn="ctr" latinLnBrk="1"/>
                       <a:r>
-                        <a:rPr lang="en-US" altLang="ko-KR" sz="2400" b="1" dirty="0" smtClean="0"/>
+                        <a:rPr lang="en-US" altLang="ko-KR" sz="2400" b="1" dirty="0"/>
                         <a:t>JAVA</a:t>
                       </a:r>
                       <a:endParaRPr lang="ko-KR" altLang="en-US" sz="2400" b="1" dirty="0"/>
@@ -8634,7 +8511,7 @@
                     <a:p>
                       <a:pPr algn="ctr" latinLnBrk="1"/>
                       <a:r>
-                        <a:rPr lang="en-US" altLang="ko-KR" sz="2400" b="1" dirty="0" smtClean="0"/>
+                        <a:rPr lang="en-US" altLang="ko-KR" sz="2400" b="1" dirty="0"/>
                         <a:t>?</a:t>
                       </a:r>
                       <a:endParaRPr lang="ko-KR" altLang="en-US" sz="2400" b="1" dirty="0"/>
@@ -8656,14 +8533,14 @@
                     <a:p>
                       <a:pPr algn="ctr" latinLnBrk="1"/>
                       <a:r>
-                        <a:rPr lang="en-US" altLang="ko-KR" sz="2400" b="1" dirty="0" smtClean="0"/>
+                        <a:rPr lang="en-US" altLang="ko-KR" sz="2400" b="1" dirty="0"/>
                         <a:t>NLTK Vader Sentiment Analyzer</a:t>
                       </a:r>
                     </a:p>
                     <a:p>
                       <a:pPr algn="ctr" latinLnBrk="1"/>
                       <a:r>
-                        <a:rPr lang="en-US" altLang="ko-KR" sz="700" b="1" dirty="0" smtClean="0"/>
+                        <a:rPr lang="en-US" altLang="ko-KR" sz="700" b="1" dirty="0"/>
                         <a:t>(https://github.com/apanimesh061/VaderSentimentJava)</a:t>
                       </a:r>
                       <a:endParaRPr lang="ko-KR" altLang="en-US" sz="700" b="1" dirty="0"/>
@@ -8678,7 +8555,7 @@
                     <a:p>
                       <a:pPr algn="ctr" latinLnBrk="1"/>
                       <a:r>
-                        <a:rPr lang="en-US" altLang="ko-KR" sz="2400" b="1" dirty="0" err="1" smtClean="0"/>
+                        <a:rPr lang="en-US" altLang="ko-KR" sz="2400" b="1" dirty="0" err="1"/>
                         <a:t>Englsih</a:t>
                       </a:r>
                       <a:endParaRPr lang="ko-KR" altLang="en-US" sz="2400" b="1" dirty="0"/>
@@ -8693,7 +8570,7 @@
                     <a:p>
                       <a:pPr algn="ctr" latinLnBrk="1"/>
                       <a:r>
-                        <a:rPr lang="en-US" altLang="ko-KR" sz="2400" b="1" dirty="0" smtClean="0"/>
+                        <a:rPr lang="en-US" altLang="ko-KR" sz="2400" b="1" dirty="0"/>
                         <a:t>Rule-based</a:t>
                       </a:r>
                       <a:endParaRPr lang="ko-KR" altLang="en-US" sz="2400" b="1" dirty="0"/>
@@ -8708,7 +8585,7 @@
                     <a:p>
                       <a:pPr algn="ctr" latinLnBrk="1"/>
                       <a:r>
-                        <a:rPr lang="en-US" altLang="ko-KR" sz="2400" b="1" dirty="0" smtClean="0"/>
+                        <a:rPr lang="en-US" altLang="ko-KR" sz="2400" b="1" dirty="0"/>
                         <a:t>Python</a:t>
                       </a:r>
                       <a:endParaRPr lang="ko-KR" altLang="en-US" sz="2400" b="1" dirty="0"/>
@@ -8723,7 +8600,7 @@
                     <a:p>
                       <a:pPr algn="ctr" latinLnBrk="1"/>
                       <a:r>
-                        <a:rPr lang="en-US" altLang="ko-KR" sz="2400" b="1" dirty="0" smtClean="0"/>
+                        <a:rPr lang="en-US" altLang="ko-KR" sz="2400" b="1" dirty="0"/>
                         <a:t>MIT</a:t>
                       </a:r>
                       <a:endParaRPr lang="ko-KR" altLang="en-US" sz="2400" b="1" dirty="0"/>
@@ -8751,13 +8628,6 @@
   <p:clrMapOvr>
     <a:masterClrMapping/>
   </p:clrMapOvr>
-  <p:timing>
-    <p:tnLst>
-      <p:par>
-        <p:cTn id="1" dur="indefinite" restart="never" nodeType="tmRoot"/>
-      </p:par>
-    </p:tnLst>
-  </p:timing>
 </p:sld>
 </file>
 
@@ -8807,27 +8677,19 @@
           <a:lstStyle/>
           <a:p>
             <a:r>
-              <a:rPr lang="en-US" altLang="ko-KR" sz="3200" b="1" dirty="0" smtClean="0"/>
-              <a:t>Database </a:t>
-            </a:r>
-            <a:r>
               <a:rPr lang="en-US" altLang="ko-KR" sz="3200" b="1" dirty="0"/>
-              <a:t>design </a:t>
-            </a:r>
-            <a:r>
-              <a:rPr lang="en-US" altLang="ko-KR" sz="3200" b="1" dirty="0" smtClean="0"/>
-              <a:t>changed &amp; issues</a:t>
-            </a:r>
-            <a:r>
-              <a:rPr lang="en-US" altLang="ko-KR" sz="1200" b="1" dirty="0" smtClean="0"/>
+              <a:t>Database design changed &amp; issues</a:t>
+            </a:r>
+            <a:r>
+              <a:rPr lang="en-US" altLang="ko-KR" sz="1200" b="1" dirty="0"/>
               <a:t>(by Nam, </a:t>
             </a:r>
             <a:r>
-              <a:rPr lang="en-US" altLang="ko-KR" sz="1200" b="1" dirty="0" err="1" smtClean="0"/>
+              <a:rPr lang="en-US" altLang="ko-KR" sz="1200" b="1" dirty="0" err="1"/>
               <a:t>Geun</a:t>
             </a:r>
             <a:r>
-              <a:rPr lang="en-US" altLang="ko-KR" sz="1200" b="1" dirty="0" smtClean="0"/>
+              <a:rPr lang="en-US" altLang="ko-KR" sz="1200" b="1" dirty="0"/>
               <a:t> woo)</a:t>
             </a:r>
             <a:endParaRPr lang="ko-KR" altLang="en-US" sz="3200" b="1" dirty="0"/>
@@ -8897,7 +8759,7 @@
               <a:buChar char="•"/>
             </a:pPr>
             <a:r>
-              <a:rPr lang="en-US" altLang="ko-KR" sz="2400" dirty="0" smtClean="0"/>
+              <a:rPr lang="en-US" altLang="ko-KR" sz="2400" dirty="0"/>
               <a:t>Original database design had wrong primary keys.</a:t>
             </a:r>
           </a:p>
@@ -8907,7 +8769,7 @@
               <a:buChar char="•"/>
             </a:pPr>
             <a:r>
-              <a:rPr lang="en-US" altLang="ko-KR" sz="2400" dirty="0" smtClean="0"/>
+              <a:rPr lang="en-US" altLang="ko-KR" sz="2400" dirty="0"/>
               <a:t>It defines 1:1 relation.</a:t>
             </a:r>
           </a:p>
@@ -8917,7 +8779,7 @@
               <a:buChar char="•"/>
             </a:pPr>
             <a:r>
-              <a:rPr lang="en-US" altLang="ko-KR" sz="2400" dirty="0" smtClean="0"/>
+              <a:rPr lang="en-US" altLang="ko-KR" sz="2400" dirty="0"/>
               <a:t>We meant 1:N relation.</a:t>
             </a:r>
           </a:p>
@@ -8927,10 +8789,9 @@
               <a:buChar char="•"/>
             </a:pPr>
             <a:r>
-              <a:rPr lang="en-US" altLang="ko-KR" sz="2400" dirty="0" smtClean="0"/>
+              <a:rPr lang="en-US" altLang="ko-KR" sz="2400" dirty="0"/>
               <a:t>So we added surrogate keys for each entry.</a:t>
             </a:r>
-            <a:endParaRPr lang="en-US" altLang="ko-KR" sz="2400" dirty="0"/>
           </a:p>
         </p:txBody>
       </p:sp>
@@ -8963,7 +8824,7 @@
           <a:lstStyle/>
           <a:p>
             <a:r>
-              <a:rPr lang="en-US" altLang="ko-KR" sz="2800" b="1" dirty="0" smtClean="0"/>
+              <a:rPr lang="en-US" altLang="ko-KR" sz="2800" b="1" dirty="0"/>
               <a:t>Issue 1</a:t>
             </a:r>
             <a:endParaRPr lang="ko-KR" altLang="en-US" sz="2800" b="1" dirty="0"/>
@@ -8980,13 +8841,6 @@
   <p:clrMapOvr>
     <a:masterClrMapping/>
   </p:clrMapOvr>
-  <p:timing>
-    <p:tnLst>
-      <p:par>
-        <p:cTn id="1" dur="indefinite" restart="never" nodeType="tmRoot"/>
-      </p:par>
-    </p:tnLst>
-  </p:timing>
 </p:sld>
 </file>
 
@@ -9029,7 +8883,7 @@
         </p:blipFill>
         <p:spPr>
           <a:xfrm>
-            <a:off x="7210638" y="1508261"/>
+            <a:off x="7505590" y="899879"/>
             <a:ext cx="4315380" cy="5058239"/>
           </a:xfrm>
           <a:prstGeom prst="rect">
@@ -9065,7 +8919,7 @@
         </p:blipFill>
         <p:spPr>
           <a:xfrm>
-            <a:off x="588744" y="837246"/>
+            <a:off x="371030" y="579385"/>
             <a:ext cx="5359818" cy="5699229"/>
           </a:xfrm>
           <a:prstGeom prst="rect">
@@ -9073,6 +8927,52 @@
           </a:prstGeom>
         </p:spPr>
       </p:pic>
+      <p:sp>
+        <p:nvSpPr>
+          <p:cNvPr id="4" name="오른쪽 화살표 19">
+            <a:extLst>
+              <a:ext uri="{FF2B5EF4-FFF2-40B4-BE49-F238E27FC236}">
+                <a16:creationId xmlns:a16="http://schemas.microsoft.com/office/drawing/2014/main" id="{21B4DAE9-71D9-4E5C-8A42-460249074230}"/>
+              </a:ext>
+            </a:extLst>
+          </p:cNvPr>
+          <p:cNvSpPr/>
+          <p:nvPr/>
+        </p:nvSpPr>
+        <p:spPr>
+          <a:xfrm>
+            <a:off x="5972333" y="3198165"/>
+            <a:ext cx="1291771" cy="461665"/>
+          </a:xfrm>
+          <a:prstGeom prst="rightArrow">
+            <a:avLst/>
+          </a:prstGeom>
+        </p:spPr>
+        <p:style>
+          <a:lnRef idx="2">
+            <a:schemeClr val="accent1">
+              <a:shade val="50000"/>
+            </a:schemeClr>
+          </a:lnRef>
+          <a:fillRef idx="1">
+            <a:schemeClr val="accent1"/>
+          </a:fillRef>
+          <a:effectRef idx="0">
+            <a:schemeClr val="accent1"/>
+          </a:effectRef>
+          <a:fontRef idx="minor">
+            <a:schemeClr val="lt1"/>
+          </a:fontRef>
+        </p:style>
+        <p:txBody>
+          <a:bodyPr rtlCol="0" anchor="ctr"/>
+          <a:lstStyle/>
+          <a:p>
+            <a:pPr algn="ctr"/>
+            <a:endParaRPr lang="ko-KR" altLang="en-US"/>
+          </a:p>
+        </p:txBody>
+      </p:sp>
     </p:spTree>
     <p:extLst>
       <p:ext uri="{BB962C8B-B14F-4D97-AF65-F5344CB8AC3E}">
@@ -9083,13 +8983,6 @@
   <p:clrMapOvr>
     <a:masterClrMapping/>
   </p:clrMapOvr>
-  <p:timing>
-    <p:tnLst>
-      <p:par>
-        <p:cTn id="1" dur="indefinite" restart="never" nodeType="tmRoot"/>
-      </p:par>
-    </p:tnLst>
-  </p:timing>
 </p:sld>
 </file>
 

--- a/Capstone_design_team6_Week5.pptx
+++ b/Capstone_design_team6_Week5.pptx
@@ -5,7 +5,7 @@
     <p:sldMasterId id="2147483672" r:id="rId1"/>
   </p:sldMasterIdLst>
   <p:notesMasterIdLst>
-    <p:notesMasterId r:id="rId17"/>
+    <p:notesMasterId r:id="rId18"/>
   </p:notesMasterIdLst>
   <p:sldIdLst>
     <p:sldId id="256" r:id="rId2"/>
@@ -22,7 +22,8 @@
     <p:sldId id="288" r:id="rId13"/>
     <p:sldId id="268" r:id="rId14"/>
     <p:sldId id="263" r:id="rId15"/>
-    <p:sldId id="265" r:id="rId16"/>
+    <p:sldId id="290" r:id="rId16"/>
+    <p:sldId id="265" r:id="rId17"/>
   </p:sldIdLst>
   <p:sldSz cx="12192000" cy="6858000"/>
   <p:notesSz cx="6858000" cy="9144000"/>
@@ -6316,131 +6317,17 @@
           <a:p>
             <a:r>
               <a:rPr lang="en-US" altLang="ko-KR" sz="3200" b="1" dirty="0"/>
-              <a:t>Schedule for Next Week</a:t>
-            </a:r>
-            <a:endParaRPr lang="ko-KR" altLang="en-US" sz="3200" b="1" dirty="0"/>
-          </a:p>
-        </p:txBody>
-      </p:sp>
-      <p:sp>
-        <p:nvSpPr>
-          <p:cNvPr id="7" name="TextBox 6">
-            <a:extLst>
-              <a:ext uri="{FF2B5EF4-FFF2-40B4-BE49-F238E27FC236}">
-                <a16:creationId xmlns:a16="http://schemas.microsoft.com/office/drawing/2014/main" id="{71DC8270-9142-484C-96EA-8B6AAF595C59}"/>
-              </a:ext>
-            </a:extLst>
-          </p:cNvPr>
-          <p:cNvSpPr txBox="1"/>
-          <p:nvPr/>
-        </p:nvSpPr>
-        <p:spPr>
-          <a:xfrm>
-            <a:off x="1062036" y="1034415"/>
-            <a:ext cx="9763125" cy="2308324"/>
-          </a:xfrm>
-          <a:prstGeom prst="rect">
-            <a:avLst/>
-          </a:prstGeom>
-          <a:noFill/>
-        </p:spPr>
-        <p:txBody>
-          <a:bodyPr wrap="square" rtlCol="0">
-            <a:spAutoFit/>
-          </a:bodyPr>
-          <a:lstStyle/>
-          <a:p>
-            <a:pPr marL="285750" indent="-285750">
-              <a:buFont typeface="Arial" panose="020B0604020202020204" pitchFamily="34" charset="0"/>
-              <a:buChar char="•"/>
-            </a:pPr>
-            <a:r>
-              <a:rPr lang="en-US" altLang="ko-KR" sz="2400" dirty="0"/>
-              <a:t>Kim, </a:t>
-            </a:r>
-            <a:r>
-              <a:rPr lang="en-US" altLang="ko-KR" sz="2400" dirty="0" err="1"/>
-              <a:t>Myeong</a:t>
-            </a:r>
-            <a:r>
-              <a:rPr lang="en-US" altLang="ko-KR" sz="2400" dirty="0"/>
-              <a:t> </a:t>
-            </a:r>
-            <a:r>
-              <a:rPr lang="en-US" altLang="ko-KR" sz="2400" dirty="0" err="1"/>
-              <a:t>Gyu</a:t>
-            </a:r>
-            <a:r>
-              <a:rPr lang="en-US" altLang="ko-KR" sz="2400" dirty="0"/>
-              <a:t>: Login, sign-in UI and function implementation,</a:t>
-            </a:r>
-            <a:br>
-              <a:rPr lang="en-US" altLang="ko-KR" sz="2400" dirty="0"/>
-            </a:br>
-            <a:r>
-              <a:rPr lang="en-US" altLang="ko-KR" sz="2400" dirty="0"/>
-              <a:t>                         Meal tracker UI implementation</a:t>
-            </a:r>
-          </a:p>
-          <a:p>
-            <a:pPr marL="285750" indent="-285750">
-              <a:buFont typeface="Arial" panose="020B0604020202020204" pitchFamily="34" charset="0"/>
-              <a:buChar char="•"/>
-            </a:pPr>
-            <a:r>
-              <a:rPr lang="en-US" altLang="ko-KR" sz="2400" dirty="0"/>
-              <a:t>Nam, </a:t>
-            </a:r>
-            <a:r>
-              <a:rPr lang="en-US" altLang="ko-KR" sz="2400" dirty="0" err="1"/>
-              <a:t>Geun</a:t>
-            </a:r>
-            <a:r>
-              <a:rPr lang="en-US" altLang="ko-KR" sz="2400" dirty="0"/>
-              <a:t> Woo: Server-side PHP design for login and sign-in,</a:t>
-            </a:r>
-            <a:br>
-              <a:rPr lang="en-US" altLang="ko-KR" sz="2400" dirty="0"/>
-            </a:br>
-            <a:r>
-              <a:rPr lang="en-US" altLang="ko-KR" sz="2400" dirty="0"/>
-              <a:t>                       Sentiment analysis function implementation</a:t>
-            </a:r>
-          </a:p>
-          <a:p>
-            <a:pPr marL="285750" indent="-285750">
-              <a:buFont typeface="Arial" panose="020B0604020202020204" pitchFamily="34" charset="0"/>
-              <a:buChar char="•"/>
-            </a:pPr>
-            <a:r>
-              <a:rPr lang="en-US" altLang="ko-KR" sz="2400" dirty="0"/>
-              <a:t>Sung, ho </a:t>
-            </a:r>
-            <a:r>
-              <a:rPr lang="en-US" altLang="ko-KR" sz="2400" dirty="0" err="1"/>
-              <a:t>Joon</a:t>
-            </a:r>
-            <a:r>
-              <a:rPr lang="en-US" altLang="ko-KR" sz="2400" dirty="0"/>
-              <a:t>: Login, sign-in UI and function implementation,</a:t>
-            </a:r>
-            <a:br>
-              <a:rPr lang="en-US" altLang="ko-KR" sz="2400" dirty="0"/>
-            </a:br>
-            <a:r>
-              <a:rPr lang="en-US" altLang="ko-KR" sz="2400" dirty="0"/>
-              <a:t>                     Sentiment analysis function implementation</a:t>
-            </a:r>
-            <a:endParaRPr lang="ko-KR" altLang="en-US" sz="2400" dirty="0"/>
+              <a:t>Schedules</a:t>
+            </a:r>
           </a:p>
         </p:txBody>
       </p:sp>
       <p:pic>
         <p:nvPicPr>
-          <p:cNvPr id="10" name="그림 9">
-            <a:extLst>
-              <a:ext uri="{FF2B5EF4-FFF2-40B4-BE49-F238E27FC236}">
-                <a16:creationId xmlns:a16="http://schemas.microsoft.com/office/drawing/2014/main" id="{9258F95A-24E6-42AA-9397-FE2A429C278D}"/>
+          <p:cNvPr id="4" name="그림 3">
+            <a:extLst>
+              <a:ext uri="{FF2B5EF4-FFF2-40B4-BE49-F238E27FC236}">
+                <a16:creationId xmlns:a16="http://schemas.microsoft.com/office/drawing/2014/main" id="{2005654B-A560-4976-BD22-D9FD806F550F}"/>
               </a:ext>
             </a:extLst>
           </p:cNvPr>
@@ -6450,21 +6337,15 @@
           <p:nvPr/>
         </p:nvPicPr>
         <p:blipFill>
-          <a:blip r:embed="rId2">
-            <a:extLst>
-              <a:ext uri="{28A0092B-C50C-407E-A947-70E740481C1C}">
-                <a14:useLocalDpi xmlns:a14="http://schemas.microsoft.com/office/drawing/2010/main" val="0"/>
-              </a:ext>
-            </a:extLst>
-          </a:blip>
+          <a:blip r:embed="rId2"/>
           <a:stretch>
             <a:fillRect/>
           </a:stretch>
         </p:blipFill>
         <p:spPr>
           <a:xfrm>
-            <a:off x="646021" y="3971530"/>
-            <a:ext cx="10899953" cy="2465465"/>
+            <a:off x="477924" y="2353763"/>
+            <a:ext cx="11068050" cy="2762250"/>
           </a:xfrm>
           <a:prstGeom prst="rect">
             <a:avLst/>
@@ -6485,8 +6366,8 @@
         </p:nvSpPr>
         <p:spPr>
           <a:xfrm>
-            <a:off x="5775957" y="3985531"/>
-            <a:ext cx="640080" cy="2451464"/>
+            <a:off x="5678802" y="2226580"/>
+            <a:ext cx="655323" cy="2993120"/>
           </a:xfrm>
           <a:prstGeom prst="rect">
             <a:avLst/>
@@ -6647,6 +6528,212 @@
           <a:chExt cx="0" cy="0"/>
         </a:xfrm>
       </p:grpSpPr>
+      <p:pic>
+        <p:nvPicPr>
+          <p:cNvPr id="3" name="그림 2">
+            <a:extLst>
+              <a:ext uri="{FF2B5EF4-FFF2-40B4-BE49-F238E27FC236}">
+                <a16:creationId xmlns:a16="http://schemas.microsoft.com/office/drawing/2014/main" id="{08A7B6CC-A424-49F4-9701-97F16F752707}"/>
+              </a:ext>
+            </a:extLst>
+          </p:cNvPr>
+          <p:cNvPicPr>
+            <a:picLocks noChangeAspect="1"/>
+          </p:cNvPicPr>
+          <p:nvPr/>
+        </p:nvPicPr>
+        <p:blipFill>
+          <a:blip r:embed="rId2"/>
+          <a:stretch>
+            <a:fillRect/>
+          </a:stretch>
+        </p:blipFill>
+        <p:spPr>
+          <a:xfrm>
+            <a:off x="1414053" y="280987"/>
+            <a:ext cx="8509129" cy="6296025"/>
+          </a:xfrm>
+          <a:prstGeom prst="rect">
+            <a:avLst/>
+          </a:prstGeom>
+        </p:spPr>
+      </p:pic>
+      <p:sp>
+        <p:nvSpPr>
+          <p:cNvPr id="8" name="직사각형 7">
+            <a:extLst>
+              <a:ext uri="{FF2B5EF4-FFF2-40B4-BE49-F238E27FC236}">
+                <a16:creationId xmlns:a16="http://schemas.microsoft.com/office/drawing/2014/main" id="{5AA76130-603E-4DB6-A729-C1C502284523}"/>
+              </a:ext>
+            </a:extLst>
+          </p:cNvPr>
+          <p:cNvSpPr/>
+          <p:nvPr/>
+        </p:nvSpPr>
+        <p:spPr>
+          <a:xfrm>
+            <a:off x="5340955" y="188229"/>
+            <a:ext cx="655323" cy="6469745"/>
+          </a:xfrm>
+          <a:prstGeom prst="rect">
+            <a:avLst/>
+          </a:prstGeom>
+          <a:noFill/>
+          <a:ln w="76200">
+            <a:solidFill>
+              <a:srgbClr val="FF0000"/>
+            </a:solidFill>
+          </a:ln>
+        </p:spPr>
+        <p:style>
+          <a:lnRef idx="2">
+            <a:schemeClr val="accent1">
+              <a:shade val="50000"/>
+            </a:schemeClr>
+          </a:lnRef>
+          <a:fillRef idx="1">
+            <a:schemeClr val="accent1"/>
+          </a:fillRef>
+          <a:effectRef idx="0">
+            <a:schemeClr val="accent1"/>
+          </a:effectRef>
+          <a:fontRef idx="minor">
+            <a:schemeClr val="lt1"/>
+          </a:fontRef>
+        </p:style>
+        <p:txBody>
+          <a:bodyPr rtlCol="0" anchor="ctr"/>
+          <a:lstStyle>
+            <a:defPPr>
+              <a:defRPr lang="ko-KR"/>
+            </a:defPPr>
+            <a:lvl1pPr marL="0" algn="l" defTabSz="914400" rtl="0" eaLnBrk="1" latinLnBrk="1" hangingPunct="1">
+              <a:defRPr sz="1800" kern="1200">
+                <a:solidFill>
+                  <a:schemeClr val="lt1"/>
+                </a:solidFill>
+                <a:latin typeface="+mn-lt"/>
+                <a:ea typeface="+mn-ea"/>
+                <a:cs typeface="+mn-cs"/>
+              </a:defRPr>
+            </a:lvl1pPr>
+            <a:lvl2pPr marL="457200" algn="l" defTabSz="914400" rtl="0" eaLnBrk="1" latinLnBrk="1" hangingPunct="1">
+              <a:defRPr sz="1800" kern="1200">
+                <a:solidFill>
+                  <a:schemeClr val="lt1"/>
+                </a:solidFill>
+                <a:latin typeface="+mn-lt"/>
+                <a:ea typeface="+mn-ea"/>
+                <a:cs typeface="+mn-cs"/>
+              </a:defRPr>
+            </a:lvl2pPr>
+            <a:lvl3pPr marL="914400" algn="l" defTabSz="914400" rtl="0" eaLnBrk="1" latinLnBrk="1" hangingPunct="1">
+              <a:defRPr sz="1800" kern="1200">
+                <a:solidFill>
+                  <a:schemeClr val="lt1"/>
+                </a:solidFill>
+                <a:latin typeface="+mn-lt"/>
+                <a:ea typeface="+mn-ea"/>
+                <a:cs typeface="+mn-cs"/>
+              </a:defRPr>
+            </a:lvl3pPr>
+            <a:lvl4pPr marL="1371600" algn="l" defTabSz="914400" rtl="0" eaLnBrk="1" latinLnBrk="1" hangingPunct="1">
+              <a:defRPr sz="1800" kern="1200">
+                <a:solidFill>
+                  <a:schemeClr val="lt1"/>
+                </a:solidFill>
+                <a:latin typeface="+mn-lt"/>
+                <a:ea typeface="+mn-ea"/>
+                <a:cs typeface="+mn-cs"/>
+              </a:defRPr>
+            </a:lvl4pPr>
+            <a:lvl5pPr marL="1828800" algn="l" defTabSz="914400" rtl="0" eaLnBrk="1" latinLnBrk="1" hangingPunct="1">
+              <a:defRPr sz="1800" kern="1200">
+                <a:solidFill>
+                  <a:schemeClr val="lt1"/>
+                </a:solidFill>
+                <a:latin typeface="+mn-lt"/>
+                <a:ea typeface="+mn-ea"/>
+                <a:cs typeface="+mn-cs"/>
+              </a:defRPr>
+            </a:lvl5pPr>
+            <a:lvl6pPr marL="2286000" algn="l" defTabSz="914400" rtl="0" eaLnBrk="1" latinLnBrk="1" hangingPunct="1">
+              <a:defRPr sz="1800" kern="1200">
+                <a:solidFill>
+                  <a:schemeClr val="lt1"/>
+                </a:solidFill>
+                <a:latin typeface="+mn-lt"/>
+                <a:ea typeface="+mn-ea"/>
+                <a:cs typeface="+mn-cs"/>
+              </a:defRPr>
+            </a:lvl6pPr>
+            <a:lvl7pPr marL="2743200" algn="l" defTabSz="914400" rtl="0" eaLnBrk="1" latinLnBrk="1" hangingPunct="1">
+              <a:defRPr sz="1800" kern="1200">
+                <a:solidFill>
+                  <a:schemeClr val="lt1"/>
+                </a:solidFill>
+                <a:latin typeface="+mn-lt"/>
+                <a:ea typeface="+mn-ea"/>
+                <a:cs typeface="+mn-cs"/>
+              </a:defRPr>
+            </a:lvl7pPr>
+            <a:lvl8pPr marL="3200400" algn="l" defTabSz="914400" rtl="0" eaLnBrk="1" latinLnBrk="1" hangingPunct="1">
+              <a:defRPr sz="1800" kern="1200">
+                <a:solidFill>
+                  <a:schemeClr val="lt1"/>
+                </a:solidFill>
+                <a:latin typeface="+mn-lt"/>
+                <a:ea typeface="+mn-ea"/>
+                <a:cs typeface="+mn-cs"/>
+              </a:defRPr>
+            </a:lvl8pPr>
+            <a:lvl9pPr marL="3657600" algn="l" defTabSz="914400" rtl="0" eaLnBrk="1" latinLnBrk="1" hangingPunct="1">
+              <a:defRPr sz="1800" kern="1200">
+                <a:solidFill>
+                  <a:schemeClr val="lt1"/>
+                </a:solidFill>
+                <a:latin typeface="+mn-lt"/>
+                <a:ea typeface="+mn-ea"/>
+                <a:cs typeface="+mn-cs"/>
+              </a:defRPr>
+            </a:lvl9pPr>
+          </a:lstStyle>
+          <a:p>
+            <a:pPr algn="ctr"/>
+            <a:endParaRPr lang="ko-KR" altLang="en-US"/>
+          </a:p>
+        </p:txBody>
+      </p:sp>
+    </p:spTree>
+    <p:extLst>
+      <p:ext uri="{BB962C8B-B14F-4D97-AF65-F5344CB8AC3E}">
+        <p14:creationId xmlns:p14="http://schemas.microsoft.com/office/powerpoint/2010/main" val="840973835"/>
+      </p:ext>
+    </p:extLst>
+  </p:cSld>
+  <p:clrMapOvr>
+    <a:masterClrMapping/>
+  </p:clrMapOvr>
+</p:sld>
+</file>
+
+<file path=ppt/slides/slide16.xml><?xml version="1.0" encoding="utf-8"?>
+<p:sld xmlns:a="http://schemas.openxmlformats.org/drawingml/2006/main" xmlns:r="http://schemas.openxmlformats.org/officeDocument/2006/relationships" xmlns:p="http://schemas.openxmlformats.org/presentationml/2006/main">
+  <p:cSld>
+    <p:spTree>
+      <p:nvGrpSpPr>
+        <p:cNvPr id="1" name=""/>
+        <p:cNvGrpSpPr/>
+        <p:nvPr/>
+      </p:nvGrpSpPr>
+      <p:grpSpPr>
+        <a:xfrm>
+          <a:off x="0" y="0"/>
+          <a:ext cx="0" cy="0"/>
+          <a:chOff x="0" y="0"/>
+          <a:chExt cx="0" cy="0"/>
+        </a:xfrm>
+      </p:grpSpPr>
       <p:sp>
         <p:nvSpPr>
           <p:cNvPr id="3" name="TextBox 2">
@@ -8192,7 +8279,7 @@
           <p:nvPr>
             <p:extLst>
               <p:ext uri="{D42A27DB-BD31-4B8C-83A1-F6EECF244321}">
-                <p14:modId xmlns:p14="http://schemas.microsoft.com/office/powerpoint/2010/main" val="4157387"/>
+                <p14:modId xmlns:p14="http://schemas.microsoft.com/office/powerpoint/2010/main" val="3981514457"/>
               </p:ext>
             </p:extLst>
           </p:nvPr>
@@ -8357,8 +8444,8 @@
                     <a:p>
                       <a:pPr algn="ctr" latinLnBrk="1"/>
                       <a:r>
-                        <a:rPr lang="en-US" altLang="ko-KR" sz="2400" b="1" dirty="0" err="1"/>
-                        <a:t>Englsih</a:t>
+                        <a:rPr lang="en-US" altLang="ko-KR" sz="2400" b="1" dirty="0"/>
+                        <a:t>English</a:t>
                       </a:r>
                       <a:endParaRPr lang="ko-KR" altLang="en-US" sz="2400" b="1" dirty="0"/>
                     </a:p>
@@ -8459,8 +8546,8 @@
                     <a:p>
                       <a:pPr algn="ctr" latinLnBrk="1"/>
                       <a:r>
-                        <a:rPr lang="en-US" altLang="ko-KR" sz="2400" b="1" dirty="0" err="1"/>
-                        <a:t>Englsih</a:t>
+                        <a:rPr lang="en-US" altLang="ko-KR" sz="2400" b="1" dirty="0"/>
+                        <a:t>English</a:t>
                       </a:r>
                       <a:endParaRPr lang="ko-KR" altLang="en-US" sz="2400" b="1" dirty="0"/>
                     </a:p>
@@ -8555,8 +8642,8 @@
                     <a:p>
                       <a:pPr algn="ctr" latinLnBrk="1"/>
                       <a:r>
-                        <a:rPr lang="en-US" altLang="ko-KR" sz="2400" b="1" dirty="0" err="1"/>
-                        <a:t>Englsih</a:t>
+                        <a:rPr lang="en-US" altLang="ko-KR" sz="2400" b="1" dirty="0"/>
+                        <a:t>English</a:t>
                       </a:r>
                       <a:endParaRPr lang="ko-KR" altLang="en-US" sz="2400" b="1" dirty="0"/>
                     </a:p>
